--- a/thématique SI/004 Définir le SI/realisation/ppt/si-004-010 Définir le SI.pptx
+++ b/thématique SI/004 Définir le SI/realisation/ppt/si-004-010 Définir le SI.pptx
@@ -197,7 +197,7 @@
           <a:p>
             <a:fld id="{9E4B8CC3-9485-4880-8638-69D0788376F3}" type="datetimeFigureOut">
               <a:rPr lang="fr-FR" smtClean="0"/>
-              <a:t>25/05/2023</a:t>
+              <a:t>12/06/2023</a:t>
             </a:fld>
             <a:endParaRPr lang="fr-FR"/>
           </a:p>
@@ -510,25 +510,82 @@
           <a:p>
             <a:r>
               <a:rPr lang="fr-FR" dirty="0"/>
-              <a:t>Le système d'information est un système car :</a:t>
-            </a:r>
+              <a:t>Le système d'information est un système. En effet :</a:t>
+            </a:r>
+          </a:p>
+          <a:p>
+            <a:endParaRPr lang="fr-FR" dirty="0"/>
           </a:p>
           <a:p>
             <a:r>
               <a:rPr lang="fr-FR" dirty="0"/>
-              <a:t>- Il est composé d’éléments divers. Citons les employés, les ordinateurs, les réseaux, les applications, les bases de données, les règles métier, etc.</a:t>
+              <a:t>- Il est composé d’éléments divers.</a:t>
             </a:r>
           </a:p>
           <a:p>
             <a:r>
               <a:rPr lang="fr-FR" dirty="0"/>
-              <a:t>- Ces éléments sont bien en interaction. Par exemple, l'employé utilise une application au travers d'interfaces ; un ordinateur est déployé sur le réseau ; ou encore une règle de gestion est respectée au sein d'une application.</a:t>
+              <a:t>Citons les employés, les ordinateurs, les réseaux, les applications,</a:t>
             </a:r>
           </a:p>
           <a:p>
             <a:r>
               <a:rPr lang="fr-FR" dirty="0"/>
-              <a:t>- Enfin, le système a une finalité, fournir les moyens de stocker et de traiter les informations (un rôle patrimonial). Citons une autre finalité, et non des moindres, aider au pilotage (un rôle d'aide à la décision).</a:t>
+              <a:t>les bases de données, les règles métier, etc.</a:t>
+            </a:r>
+          </a:p>
+          <a:p>
+            <a:endParaRPr lang="fr-FR" dirty="0"/>
+          </a:p>
+          <a:p>
+            <a:endParaRPr lang="fr-FR" dirty="0"/>
+          </a:p>
+          <a:p>
+            <a:r>
+              <a:rPr lang="fr-FR" dirty="0"/>
+              <a:t>- Ces éléments sont bien en interaction.</a:t>
+            </a:r>
+          </a:p>
+          <a:p>
+            <a:r>
+              <a:rPr lang="fr-FR" dirty="0"/>
+              <a:t>Par exemple, l'employé utilise une application au travers d'interfaces ;</a:t>
+            </a:r>
+          </a:p>
+          <a:p>
+            <a:r>
+              <a:rPr lang="fr-FR" dirty="0"/>
+              <a:t>  un ordinateur est déployé sur le réseau ;</a:t>
+            </a:r>
+          </a:p>
+          <a:p>
+            <a:r>
+              <a:rPr lang="fr-FR" dirty="0"/>
+              <a:t>    ou encore une règle de gestion est respectée au sein d'une application.</a:t>
+            </a:r>
+          </a:p>
+          <a:p>
+            <a:endParaRPr lang="fr-FR" dirty="0"/>
+          </a:p>
+          <a:p>
+            <a:r>
+              <a:rPr lang="fr-FR" dirty="0"/>
+              <a:t>- Enfin, le système a une finalité : fournir les moyens de stocker et de</a:t>
+            </a:r>
+          </a:p>
+          <a:p>
+            <a:r>
+              <a:rPr lang="fr-FR" dirty="0"/>
+              <a:t>traiter les informations (rôle patrimonial).</a:t>
+            </a:r>
+          </a:p>
+          <a:p>
+            <a:endParaRPr lang="fr-FR" dirty="0"/>
+          </a:p>
+          <a:p>
+            <a:r>
+              <a:rPr lang="fr-FR" dirty="0"/>
+              <a:t>Citons une autre finalité, et non des moindres, aider au pilotage (rôle d'aide à la décision).</a:t>
             </a:r>
           </a:p>
         </p:txBody>
@@ -716,7 +773,7 @@
           <a:p>
             <a:fld id="{FB996DCB-1AB0-43FA-9D80-01B79EDB845C}" type="datetimeFigureOut">
               <a:rPr lang="fr-FR" smtClean="0"/>
-              <a:t>25/05/2023</a:t>
+              <a:t>12/06/2023</a:t>
             </a:fld>
             <a:endParaRPr lang="fr-FR"/>
           </a:p>
@@ -914,7 +971,7 @@
           <a:p>
             <a:fld id="{FB996DCB-1AB0-43FA-9D80-01B79EDB845C}" type="datetimeFigureOut">
               <a:rPr lang="fr-FR" smtClean="0"/>
-              <a:t>25/05/2023</a:t>
+              <a:t>12/06/2023</a:t>
             </a:fld>
             <a:endParaRPr lang="fr-FR"/>
           </a:p>
@@ -1122,7 +1179,7 @@
           <a:p>
             <a:fld id="{FB996DCB-1AB0-43FA-9D80-01B79EDB845C}" type="datetimeFigureOut">
               <a:rPr lang="fr-FR" smtClean="0"/>
-              <a:t>25/05/2023</a:t>
+              <a:t>12/06/2023</a:t>
             </a:fld>
             <a:endParaRPr lang="fr-FR"/>
           </a:p>
@@ -1320,7 +1377,7 @@
           <a:p>
             <a:fld id="{FB996DCB-1AB0-43FA-9D80-01B79EDB845C}" type="datetimeFigureOut">
               <a:rPr lang="fr-FR" smtClean="0"/>
-              <a:t>25/05/2023</a:t>
+              <a:t>12/06/2023</a:t>
             </a:fld>
             <a:endParaRPr lang="fr-FR"/>
           </a:p>
@@ -1595,7 +1652,7 @@
           <a:p>
             <a:fld id="{FB996DCB-1AB0-43FA-9D80-01B79EDB845C}" type="datetimeFigureOut">
               <a:rPr lang="fr-FR" smtClean="0"/>
-              <a:t>25/05/2023</a:t>
+              <a:t>12/06/2023</a:t>
             </a:fld>
             <a:endParaRPr lang="fr-FR"/>
           </a:p>
@@ -1860,7 +1917,7 @@
           <a:p>
             <a:fld id="{FB996DCB-1AB0-43FA-9D80-01B79EDB845C}" type="datetimeFigureOut">
               <a:rPr lang="fr-FR" smtClean="0"/>
-              <a:t>25/05/2023</a:t>
+              <a:t>12/06/2023</a:t>
             </a:fld>
             <a:endParaRPr lang="fr-FR"/>
           </a:p>
@@ -2272,7 +2329,7 @@
           <a:p>
             <a:fld id="{FB996DCB-1AB0-43FA-9D80-01B79EDB845C}" type="datetimeFigureOut">
               <a:rPr lang="fr-FR" smtClean="0"/>
-              <a:t>25/05/2023</a:t>
+              <a:t>12/06/2023</a:t>
             </a:fld>
             <a:endParaRPr lang="fr-FR"/>
           </a:p>
@@ -2413,7 +2470,7 @@
           <a:p>
             <a:fld id="{FB996DCB-1AB0-43FA-9D80-01B79EDB845C}" type="datetimeFigureOut">
               <a:rPr lang="fr-FR" smtClean="0"/>
-              <a:t>25/05/2023</a:t>
+              <a:t>12/06/2023</a:t>
             </a:fld>
             <a:endParaRPr lang="fr-FR"/>
           </a:p>
@@ -2526,7 +2583,7 @@
           <a:p>
             <a:fld id="{FB996DCB-1AB0-43FA-9D80-01B79EDB845C}" type="datetimeFigureOut">
               <a:rPr lang="fr-FR" smtClean="0"/>
-              <a:t>25/05/2023</a:t>
+              <a:t>12/06/2023</a:t>
             </a:fld>
             <a:endParaRPr lang="fr-FR"/>
           </a:p>
@@ -2837,7 +2894,7 @@
           <a:p>
             <a:fld id="{FB996DCB-1AB0-43FA-9D80-01B79EDB845C}" type="datetimeFigureOut">
               <a:rPr lang="fr-FR" smtClean="0"/>
-              <a:t>25/05/2023</a:t>
+              <a:t>12/06/2023</a:t>
             </a:fld>
             <a:endParaRPr lang="fr-FR"/>
           </a:p>
@@ -3125,7 +3182,7 @@
           <a:p>
             <a:fld id="{FB996DCB-1AB0-43FA-9D80-01B79EDB845C}" type="datetimeFigureOut">
               <a:rPr lang="fr-FR" smtClean="0"/>
-              <a:t>25/05/2023</a:t>
+              <a:t>12/06/2023</a:t>
             </a:fld>
             <a:endParaRPr lang="fr-FR"/>
           </a:p>
@@ -3366,7 +3423,7 @@
           <a:p>
             <a:fld id="{FB996DCB-1AB0-43FA-9D80-01B79EDB845C}" type="datetimeFigureOut">
               <a:rPr lang="fr-FR" smtClean="0"/>
-              <a:t>25/05/2023</a:t>
+              <a:t>12/06/2023</a:t>
             </a:fld>
             <a:endParaRPr lang="fr-FR"/>
           </a:p>
@@ -4402,11 +4459,11 @@
   <p:clrMapOvr>
     <a:masterClrMapping/>
   </p:clrMapOvr>
-  <mc:AlternateContent xmlns:mc="http://schemas.openxmlformats.org/markup-compatibility/2006">
-    <mc:Choice xmlns:p14="http://schemas.microsoft.com/office/powerpoint/2010/main" Requires="p14">
+  <mc:AlternateContent xmlns:mc="http://schemas.openxmlformats.org/markup-compatibility/2006" xmlns:p14="http://schemas.microsoft.com/office/powerpoint/2010/main">
+    <mc:Choice Requires="p14">
       <p:transition spd="slow" p14:dur="2000" advTm="38860"/>
     </mc:Choice>
-    <mc:Fallback>
+    <mc:Fallback xmlns="">
       <p:transition spd="slow" advTm="38860"/>
     </mc:Fallback>
   </mc:AlternateContent>
